--- a/a Cardiff Half Marathon/Plots/presentation.pptx
+++ b/a Cardiff Half Marathon/Plots/presentation.pptx
@@ -105,6 +105,11 @@
       </a:defRPr>
     </a:lvl9pPr>
   </p:defaultTextStyle>
+  <p:extLst>
+    <p:ext uri="{EFAFB233-063F-42B5-8137-9DF3F51BA10A}">
+      <p15:sldGuideLst xmlns:p15="http://schemas.microsoft.com/office/powerpoint/2012/main"/>
+    </p:ext>
+  </p:extLst>
 </p:presentation>
 </file>
 
@@ -3345,10 +3350,10 @@
       </p:grpSpPr>
       <p:pic>
         <p:nvPicPr>
-          <p:cNvPr id="5" name="Picture 4" descr="A picture containing graphical user interface">
-            <a:extLst>
-              <a:ext uri="{FF2B5EF4-FFF2-40B4-BE49-F238E27FC236}">
-                <a16:creationId xmlns:a16="http://schemas.microsoft.com/office/drawing/2014/main" id="{4A17F473-5BF6-00E3-6C47-5C4F002CE161}"/>
+          <p:cNvPr id="6" name="Picture 5" descr="A picture containing table">
+            <a:extLst>
+              <a:ext uri="{FF2B5EF4-FFF2-40B4-BE49-F238E27FC236}">
+                <a16:creationId xmlns:a16="http://schemas.microsoft.com/office/drawing/2014/main" id="{E5E5B57C-9F9C-0193-84B1-861C6969E332}"/>
               </a:ext>
             </a:extLst>
           </p:cNvPr>
@@ -3371,8 +3376,8 @@
         </p:blipFill>
         <p:spPr>
           <a:xfrm>
-            <a:off x="760674" y="179387"/>
-            <a:ext cx="10530177" cy="6499225"/>
+            <a:off x="610463" y="43327"/>
+            <a:ext cx="10971073" cy="6771346"/>
           </a:xfrm>
           <a:prstGeom prst="rect">
             <a:avLst/>
@@ -3411,10 +3416,10 @@
       </p:grpSpPr>
       <p:pic>
         <p:nvPicPr>
-          <p:cNvPr id="3" name="Picture 2" descr="Chart">
-            <a:extLst>
-              <a:ext uri="{FF2B5EF4-FFF2-40B4-BE49-F238E27FC236}">
-                <a16:creationId xmlns:a16="http://schemas.microsoft.com/office/drawing/2014/main" id="{7E640A74-E6D6-3F19-6567-69C29ABBA11F}"/>
+          <p:cNvPr id="4" name="Picture 3" descr="Chart">
+            <a:extLst>
+              <a:ext uri="{FF2B5EF4-FFF2-40B4-BE49-F238E27FC236}">
+                <a16:creationId xmlns:a16="http://schemas.microsoft.com/office/drawing/2014/main" id="{60ACEDBA-0251-F448-E8CB-6FAE209FDC00}"/>
               </a:ext>
             </a:extLst>
           </p:cNvPr>
@@ -3437,8 +3442,8 @@
         </p:blipFill>
         <p:spPr>
           <a:xfrm>
-            <a:off x="731521" y="183625"/>
-            <a:ext cx="10758114" cy="6639908"/>
+            <a:off x="649356" y="67331"/>
+            <a:ext cx="10893287" cy="6723337"/>
           </a:xfrm>
           <a:prstGeom prst="rect">
             <a:avLst/>

--- a/a Cardiff Half Marathon/Plots/presentation.pptx
+++ b/a Cardiff Half Marathon/Plots/presentation.pptx
@@ -3376,8 +3376,8 @@
         </p:blipFill>
         <p:spPr>
           <a:xfrm>
-            <a:off x="610463" y="43327"/>
-            <a:ext cx="10971073" cy="6771346"/>
+            <a:off x="1148070" y="463849"/>
+            <a:ext cx="9895859" cy="6107724"/>
           </a:xfrm>
           <a:prstGeom prst="rect">
             <a:avLst/>
@@ -3442,8 +3442,8 @@
         </p:blipFill>
         <p:spPr>
           <a:xfrm>
-            <a:off x="649356" y="67331"/>
-            <a:ext cx="10893287" cy="6723337"/>
+            <a:off x="1105232" y="455290"/>
+            <a:ext cx="10373801" cy="6402710"/>
           </a:xfrm>
           <a:prstGeom prst="rect">
             <a:avLst/>
